--- a/DockerIzation Documentation.pptx
+++ b/DockerIzation Documentation.pptx
@@ -6,23 +6,25 @@
   </p:sldMasterIdLst>
   <p:sldIdLst>
     <p:sldId id="256" r:id="rId2"/>
-    <p:sldId id="257" r:id="rId3"/>
-    <p:sldId id="258" r:id="rId4"/>
-    <p:sldId id="259" r:id="rId5"/>
-    <p:sldId id="273" r:id="rId6"/>
-    <p:sldId id="261" r:id="rId7"/>
-    <p:sldId id="260" r:id="rId8"/>
-    <p:sldId id="263" r:id="rId9"/>
-    <p:sldId id="268" r:id="rId10"/>
-    <p:sldId id="267" r:id="rId11"/>
-    <p:sldId id="266" r:id="rId12"/>
-    <p:sldId id="265" r:id="rId13"/>
-    <p:sldId id="264" r:id="rId14"/>
-    <p:sldId id="269" r:id="rId15"/>
-    <p:sldId id="270" r:id="rId16"/>
-    <p:sldId id="271" r:id="rId17"/>
-    <p:sldId id="272" r:id="rId18"/>
-    <p:sldId id="262" r:id="rId19"/>
+    <p:sldId id="275" r:id="rId3"/>
+    <p:sldId id="257" r:id="rId4"/>
+    <p:sldId id="258" r:id="rId5"/>
+    <p:sldId id="259" r:id="rId6"/>
+    <p:sldId id="273" r:id="rId7"/>
+    <p:sldId id="261" r:id="rId8"/>
+    <p:sldId id="260" r:id="rId9"/>
+    <p:sldId id="274" r:id="rId10"/>
+    <p:sldId id="263" r:id="rId11"/>
+    <p:sldId id="268" r:id="rId12"/>
+    <p:sldId id="267" r:id="rId13"/>
+    <p:sldId id="266" r:id="rId14"/>
+    <p:sldId id="265" r:id="rId15"/>
+    <p:sldId id="264" r:id="rId16"/>
+    <p:sldId id="269" r:id="rId17"/>
+    <p:sldId id="270" r:id="rId18"/>
+    <p:sldId id="271" r:id="rId19"/>
+    <p:sldId id="272" r:id="rId20"/>
+    <p:sldId id="262" r:id="rId21"/>
   </p:sldIdLst>
   <p:sldSz cx="12192000" cy="6858000"/>
   <p:notesSz cx="6858000" cy="9144000"/>
@@ -121,6 +123,11 @@
       </a:defRPr>
     </a:lvl9pPr>
   </p:defaultTextStyle>
+  <p:extLst>
+    <p:ext uri="{EFAFB233-063F-42B5-8137-9DF3F51BA10A}">
+      <p15:sldGuideLst xmlns:p15="http://schemas.microsoft.com/office/powerpoint/2012/main"/>
+    </p:ext>
+  </p:extLst>
 </p:presentation>
 </file>
 
@@ -7899,12 +7906,14 @@
         </p:nvSpPr>
         <p:spPr>
           <a:xfrm>
-            <a:off x="583968" y="649508"/>
-            <a:ext cx="9613861" cy="1080938"/>
-          </a:xfrm>
-        </p:spPr>
-        <p:txBody>
-          <a:bodyPr/>
+            <a:off x="680321" y="966650"/>
+            <a:ext cx="9613861" cy="867515"/>
+          </a:xfrm>
+        </p:spPr>
+        <p:txBody>
+          <a:bodyPr>
+            <a:normAutofit fontScale="90000"/>
+          </a:bodyPr>
           <a:lstStyle/>
           <a:p>
             <a:r>
@@ -7913,8 +7922,15 @@
             </a:r>
             <a:r>
               <a:rPr lang="en-US" b="1" dirty="0" smtClean="0"/>
-              <a:t>Create</a:t>
-            </a:r>
+              <a:t>build</a:t>
+            </a:r>
+            <a:r>
+              <a:rPr lang="en-US" dirty="0" smtClean="0"/>
+              <a:t> </a:t>
+            </a:r>
+            <a:br>
+              <a:rPr lang="en-US" dirty="0" smtClean="0"/>
+            </a:br>
             <a:endParaRPr lang="en-US" dirty="0"/>
           </a:p>
         </p:txBody>
@@ -7932,12 +7948,12 @@
         <p:spPr>
           <a:xfrm>
             <a:off x="1141412" y="1554480"/>
-            <a:ext cx="9905999" cy="404949"/>
+            <a:ext cx="9905999" cy="378823"/>
           </a:xfrm>
         </p:spPr>
         <p:txBody>
           <a:bodyPr>
-            <a:normAutofit lnSpcReduction="10000"/>
+            <a:normAutofit fontScale="92500" lnSpcReduction="10000"/>
           </a:bodyPr>
           <a:lstStyle/>
           <a:p>
@@ -7945,12 +7961,8 @@
               <a:buNone/>
             </a:pPr>
             <a:r>
-              <a:rPr lang="en-US" dirty="0"/>
-              <a:t>To run the created docker </a:t>
-            </a:r>
-            <a:r>
-              <a:rPr lang="en-US" dirty="0" smtClean="0"/>
-              <a:t>image</a:t>
+              <a:rPr lang="en-US" b="1" dirty="0"/>
+              <a:t>To build images in Docker</a:t>
             </a:r>
             <a:endParaRPr lang="en-US" dirty="0"/>
           </a:p>
@@ -7958,7 +7970,7 @@
       </p:sp>
       <p:pic>
         <p:nvPicPr>
-          <p:cNvPr id="4" name="Picture 3"/>
+          <p:cNvPr id="5" name="Picture 4"/>
           <p:cNvPicPr/>
           <p:nvPr/>
         </p:nvPicPr>
@@ -7970,18 +7982,122 @@
         </p:blipFill>
         <p:spPr>
           <a:xfrm>
-            <a:off x="1141411" y="2812031"/>
-            <a:ext cx="8498977" cy="2194560"/>
+            <a:off x="1141412" y="2300895"/>
+            <a:ext cx="8642668" cy="1918408"/>
           </a:xfrm>
           <a:prstGeom prst="rect">
             <a:avLst/>
           </a:prstGeom>
         </p:spPr>
       </p:pic>
+      <p:sp>
+        <p:nvSpPr>
+          <p:cNvPr id="7" name="Rectangle 6"/>
+          <p:cNvSpPr/>
+          <p:nvPr/>
+        </p:nvSpPr>
+        <p:spPr>
+          <a:xfrm>
+            <a:off x="1141412" y="4219303"/>
+            <a:ext cx="9144000" cy="2031325"/>
+          </a:xfrm>
+          <a:prstGeom prst="rect">
+            <a:avLst/>
+          </a:prstGeom>
+        </p:spPr>
+        <p:txBody>
+          <a:bodyPr wrap="square">
+            <a:spAutoFit/>
+          </a:bodyPr>
+          <a:lstStyle/>
+          <a:p>
+            <a:r>
+              <a:rPr lang="en-US" b="1" dirty="0"/>
+              <a:t>docker</a:t>
+            </a:r>
+            <a:r>
+              <a:rPr lang="en-US" dirty="0"/>
+              <a:t>: This is the name of the Docker command-line interface (CLI) tool.</a:t>
+            </a:r>
+          </a:p>
+          <a:p>
+            <a:r>
+              <a:rPr lang="en-US" b="1" dirty="0"/>
+              <a:t>build</a:t>
+            </a:r>
+            <a:r>
+              <a:rPr lang="en-US" dirty="0"/>
+              <a:t>: This is the Docker command for building an image.</a:t>
+            </a:r>
+          </a:p>
+          <a:p>
+            <a:r>
+              <a:rPr lang="en-US" b="1" dirty="0"/>
+              <a:t>-t</a:t>
+            </a:r>
+            <a:r>
+              <a:rPr lang="en-US" dirty="0"/>
+              <a:t>: This option is used to tag the image with a name.</a:t>
+            </a:r>
+          </a:p>
+          <a:p>
+            <a:r>
+              <a:rPr lang="en-US" dirty="0"/>
+              <a:t>[</a:t>
+            </a:r>
+            <a:r>
+              <a:rPr lang="en-US" b="1" dirty="0"/>
+              <a:t>dockerusername</a:t>
+            </a:r>
+            <a:r>
+              <a:rPr lang="en-US" dirty="0"/>
+              <a:t>]: This is the username of the Docker user that will own the image.</a:t>
+            </a:r>
+          </a:p>
+          <a:p>
+            <a:r>
+              <a:rPr lang="en-US" b="1" dirty="0"/>
+              <a:t>/</a:t>
+            </a:r>
+            <a:r>
+              <a:rPr lang="en-US" dirty="0"/>
+              <a:t>: This is the path separator.</a:t>
+            </a:r>
+          </a:p>
+          <a:p>
+            <a:r>
+              <a:rPr lang="en-US" dirty="0"/>
+              <a:t>[</a:t>
+            </a:r>
+            <a:r>
+              <a:rPr lang="en-US" b="1" dirty="0"/>
+              <a:t>image-name</a:t>
+            </a:r>
+            <a:r>
+              <a:rPr lang="en-US" dirty="0" smtClean="0"/>
+              <a:t>]: This is the name of the image that will be built.</a:t>
+            </a:r>
+          </a:p>
+          <a:p>
+            <a:r>
+              <a:rPr lang="en-US" b="1" dirty="0"/>
+              <a:t>.</a:t>
+            </a:r>
+            <a:r>
+              <a:rPr lang="en-US" dirty="0" smtClean="0"/>
+              <a:t>: </a:t>
+            </a:r>
+            <a:r>
+              <a:rPr lang="en-US" dirty="0"/>
+              <a:t>This is a wildcard character that matches all files in the current directory.</a:t>
+            </a:r>
+          </a:p>
+        </p:txBody>
+      </p:sp>
     </p:spTree>
     <p:extLst>
       <p:ext uri="{BB962C8B-B14F-4D97-AF65-F5344CB8AC3E}">
-        <p14:creationId xmlns:p14="http://schemas.microsoft.com/office/powerpoint/2010/main" val="3252988088"/>
+        <p14:creationId xmlns:p14="http://schemas.microsoft.com/office/powerpoint/2010/main" val="3264757154"/>
       </p:ext>
     </p:extLst>
   </p:cSld>
@@ -8027,51 +8143,61 @@
         </p:nvSpPr>
         <p:spPr>
           <a:xfrm>
-            <a:off x="680321" y="753228"/>
-            <a:ext cx="9613861" cy="814316"/>
-          </a:xfrm>
-        </p:spPr>
-        <p:txBody>
-          <a:bodyPr/>
-          <a:lstStyle/>
-          <a:p>
-            <a:r>
-              <a:rPr lang="en-US" b="1" dirty="0" smtClean="0"/>
-              <a:t>Docker detached</a:t>
-            </a:r>
-            <a:endParaRPr lang="en-US" dirty="0"/>
-          </a:p>
-        </p:txBody>
-      </p:sp>
-      <p:sp>
-        <p:nvSpPr>
-          <p:cNvPr id="3" name="Content Placeholder 2"/>
-          <p:cNvSpPr>
-            <a:spLocks noGrp="1"/>
-          </p:cNvSpPr>
-          <p:nvPr>
-            <p:ph idx="1"/>
-          </p:nvPr>
-        </p:nvSpPr>
-        <p:spPr>
-          <a:xfrm>
-            <a:off x="1141412" y="1567544"/>
-            <a:ext cx="9905999" cy="365760"/>
+            <a:off x="680321" y="862150"/>
+            <a:ext cx="9613861" cy="972016"/>
           </a:xfrm>
         </p:spPr>
         <p:txBody>
           <a:bodyPr>
-            <a:normAutofit fontScale="92500" lnSpcReduction="10000"/>
+            <a:normAutofit fontScale="90000"/>
           </a:bodyPr>
           <a:lstStyle/>
           <a:p>
+            <a:r>
+              <a:rPr lang="en-US" b="1" dirty="0" smtClean="0"/>
+              <a:t>Docker build</a:t>
+            </a:r>
+            <a:r>
+              <a:rPr lang="en-US" dirty="0" smtClean="0"/>
+              <a:t/>
+            </a:r>
+            <a:br>
+              <a:rPr lang="en-US" dirty="0" smtClean="0"/>
+            </a:br>
+            <a:endParaRPr lang="en-US" dirty="0"/>
+          </a:p>
+        </p:txBody>
+      </p:sp>
+      <p:sp>
+        <p:nvSpPr>
+          <p:cNvPr id="3" name="Content Placeholder 2"/>
+          <p:cNvSpPr>
+            <a:spLocks noGrp="1"/>
+          </p:cNvSpPr>
+          <p:nvPr>
+            <p:ph idx="1"/>
+          </p:nvPr>
+        </p:nvSpPr>
+        <p:spPr>
+          <a:xfrm>
+            <a:off x="1141412" y="1449978"/>
+            <a:ext cx="9905999" cy="384188"/>
+          </a:xfrm>
+        </p:spPr>
+        <p:txBody>
+          <a:bodyPr>
+            <a:normAutofit lnSpcReduction="10000"/>
+          </a:bodyPr>
+          <a:lstStyle/>
+          <a:p>
             <a:pPr marL="0" indent="0">
               <a:buNone/>
             </a:pPr>
             <a:r>
-              <a:rPr lang="en-US" dirty="0"/>
-              <a:t>To run the created docker image in detached</a:t>
-            </a:r>
+              <a:rPr lang="en-US" b="1" dirty="0"/>
+              <a:t>To see whether the image is been created</a:t>
+            </a:r>
+            <a:endParaRPr lang="en-US" dirty="0"/>
           </a:p>
         </p:txBody>
       </p:sp>
@@ -8089,8 +8215,8 @@
         </p:blipFill>
         <p:spPr>
           <a:xfrm>
-            <a:off x="1141412" y="3043646"/>
-            <a:ext cx="8485914" cy="1828800"/>
+            <a:off x="1141412" y="2568818"/>
+            <a:ext cx="8916988" cy="1977055"/>
           </a:xfrm>
           <a:prstGeom prst="rect">
             <a:avLst/>
@@ -8100,7 +8226,7 @@
     </p:spTree>
     <p:extLst>
       <p:ext uri="{BB962C8B-B14F-4D97-AF65-F5344CB8AC3E}">
-        <p14:creationId xmlns:p14="http://schemas.microsoft.com/office/powerpoint/2010/main" val="92031163"/>
+        <p14:creationId xmlns:p14="http://schemas.microsoft.com/office/powerpoint/2010/main" val="122261083"/>
       </p:ext>
     </p:extLst>
   </p:cSld>
@@ -8146,8 +8272,8 @@
         </p:nvSpPr>
         <p:spPr>
           <a:xfrm>
-            <a:off x="680321" y="753228"/>
-            <a:ext cx="9613861" cy="762063"/>
+            <a:off x="583968" y="649508"/>
+            <a:ext cx="9613861" cy="1080938"/>
           </a:xfrm>
         </p:spPr>
         <p:txBody>
@@ -8156,7 +8282,11 @@
           <a:p>
             <a:r>
               <a:rPr lang="en-US" b="1" dirty="0"/>
-              <a:t>Docker run</a:t>
+              <a:t>Docker </a:t>
+            </a:r>
+            <a:r>
+              <a:rPr lang="en-US" b="1" dirty="0" smtClean="0"/>
+              <a:t>Create</a:t>
             </a:r>
             <a:endParaRPr lang="en-US" dirty="0"/>
           </a:p>
@@ -8174,7 +8304,7 @@
         </p:nvSpPr>
         <p:spPr>
           <a:xfrm>
-            <a:off x="1141412" y="1515291"/>
+            <a:off x="1141412" y="1554480"/>
             <a:ext cx="9905999" cy="404949"/>
           </a:xfrm>
         </p:spPr>
@@ -8189,8 +8319,13 @@
             </a:pPr>
             <a:r>
               <a:rPr lang="en-US" dirty="0"/>
-              <a:t>To see the running docker image</a:t>
-            </a:r>
+              <a:t>To run the created docker </a:t>
+            </a:r>
+            <a:r>
+              <a:rPr lang="en-US" dirty="0" smtClean="0"/>
+              <a:t>image</a:t>
+            </a:r>
+            <a:endParaRPr lang="en-US" dirty="0"/>
           </a:p>
         </p:txBody>
       </p:sp>
@@ -8208,18 +8343,58 @@
         </p:blipFill>
         <p:spPr>
           <a:xfrm>
-            <a:off x="1141412" y="2947849"/>
-            <a:ext cx="8002588" cy="1924597"/>
+            <a:off x="1275882" y="2489301"/>
+            <a:ext cx="8498977" cy="2194560"/>
           </a:xfrm>
           <a:prstGeom prst="rect">
             <a:avLst/>
           </a:prstGeom>
         </p:spPr>
       </p:pic>
+      <p:sp>
+        <p:nvSpPr>
+          <p:cNvPr id="8" name="TextBox 7"/>
+          <p:cNvSpPr txBox="1"/>
+          <p:nvPr/>
+        </p:nvSpPr>
+        <p:spPr>
+          <a:xfrm>
+            <a:off x="1141412" y="4948518"/>
+            <a:ext cx="9495212" cy="1477328"/>
+          </a:xfrm>
+          <a:prstGeom prst="rect">
+            <a:avLst/>
+          </a:prstGeom>
+          <a:noFill/>
+        </p:spPr>
+        <p:txBody>
+          <a:bodyPr wrap="square" rtlCol="0">
+            <a:spAutoFit/>
+          </a:bodyPr>
+          <a:lstStyle/>
+          <a:p>
+            <a:r>
+              <a:rPr lang="en-US" dirty="0"/>
+              <a:t>-</a:t>
+            </a:r>
+            <a:r>
+              <a:rPr lang="en-US" dirty="0" smtClean="0"/>
+              <a:t>p : The </a:t>
+            </a:r>
+            <a:r>
+              <a:rPr lang="en-US" dirty="0"/>
+              <a:t>“-p” option is used to expose a port on the host machine to a port inside the container. In this case, we are mapping port 5000 on the host machine to port 5000 inside the container. This means that any traffic that is sent to port 5000 on the host machine will be forwarded to port 5000 inside the container</a:t>
+            </a:r>
+          </a:p>
+          <a:p>
+            <a:endParaRPr lang="en-US" dirty="0"/>
+          </a:p>
+        </p:txBody>
+      </p:sp>
     </p:spTree>
     <p:extLst>
       <p:ext uri="{BB962C8B-B14F-4D97-AF65-F5344CB8AC3E}">
-        <p14:creationId xmlns:p14="http://schemas.microsoft.com/office/powerpoint/2010/main" val="4175612416"/>
+        <p14:creationId xmlns:p14="http://schemas.microsoft.com/office/powerpoint/2010/main" val="3252988088"/>
       </p:ext>
     </p:extLst>
   </p:cSld>
@@ -8266,7 +8441,7 @@
         <p:spPr>
           <a:xfrm>
             <a:off x="680321" y="753228"/>
-            <a:ext cx="9613861" cy="762063"/>
+            <a:ext cx="9613861" cy="814316"/>
           </a:xfrm>
         </p:spPr>
         <p:txBody>
@@ -8275,7 +8450,7 @@
           <a:p>
             <a:r>
               <a:rPr lang="en-US" b="1" dirty="0" smtClean="0"/>
-              <a:t>Docker stop</a:t>
+              <a:t>Docker detached</a:t>
             </a:r>
             <a:endParaRPr lang="en-US" dirty="0"/>
           </a:p>
@@ -8293,7 +8468,7 @@
         </p:nvSpPr>
         <p:spPr>
           <a:xfrm>
-            <a:off x="1141412" y="1515291"/>
+            <a:off x="1141412" y="1567544"/>
             <a:ext cx="9905999" cy="365760"/>
           </a:xfrm>
         </p:spPr>
@@ -8307,10 +8482,9 @@
               <a:buNone/>
             </a:pPr>
             <a:r>
-              <a:rPr lang="en-US" b="1" dirty="0"/>
-              <a:t>To stop the created docker image</a:t>
-            </a:r>
-            <a:endParaRPr lang="en-US" dirty="0"/>
+              <a:rPr lang="en-US" dirty="0"/>
+              <a:t>To run the created docker image in detached</a:t>
+            </a:r>
           </a:p>
         </p:txBody>
       </p:sp>
@@ -8328,18 +8502,72 @@
         </p:blipFill>
         <p:spPr>
           <a:xfrm>
-            <a:off x="1141411" y="2965269"/>
-            <a:ext cx="8773297" cy="2011680"/>
+            <a:off x="1244294" y="2505764"/>
+            <a:ext cx="8485914" cy="1828800"/>
           </a:xfrm>
           <a:prstGeom prst="rect">
             <a:avLst/>
           </a:prstGeom>
         </p:spPr>
       </p:pic>
+      <p:sp>
+        <p:nvSpPr>
+          <p:cNvPr id="5" name="TextBox 4"/>
+          <p:cNvSpPr txBox="1"/>
+          <p:nvPr/>
+        </p:nvSpPr>
+        <p:spPr>
+          <a:xfrm>
+            <a:off x="680321" y="4464423"/>
+            <a:ext cx="9843247" cy="1754326"/>
+          </a:xfrm>
+          <a:prstGeom prst="rect">
+            <a:avLst/>
+          </a:prstGeom>
+          <a:noFill/>
+        </p:spPr>
+        <p:txBody>
+          <a:bodyPr wrap="square" rtlCol="0">
+            <a:spAutoFit/>
+          </a:bodyPr>
+          <a:lstStyle/>
+          <a:p>
+            <a:r>
+              <a:rPr lang="en-US" dirty="0"/>
+              <a:t>-</a:t>
+            </a:r>
+            <a:r>
+              <a:rPr lang="en-US" dirty="0" smtClean="0"/>
+              <a:t>p The </a:t>
+            </a:r>
+            <a:r>
+              <a:rPr lang="en-US" dirty="0"/>
+              <a:t>“-p” option is used to expose a port on the host machine to a port inside the container. In this case, we are mapping port 5000 on the host machine to port 5000 inside the container. This means that any traffic that is sent to port 5000 on the host machine will be forwarded to port 5000 inside the container</a:t>
+            </a:r>
+            <a:r>
+              <a:rPr lang="en-US" dirty="0" smtClean="0"/>
+              <a:t>.</a:t>
+            </a:r>
+          </a:p>
+          <a:p>
+            <a:endParaRPr lang="en-US" dirty="0"/>
+          </a:p>
+          <a:p>
+            <a:r>
+              <a:rPr lang="en-US" dirty="0" smtClean="0"/>
+              <a:t>The </a:t>
+            </a:r>
+            <a:r>
+              <a:rPr lang="en-US" dirty="0"/>
+              <a:t>-d option is used to run the container in detached mode. This means that the container will run in the background and will not attach to the current terminal.</a:t>
+            </a:r>
+          </a:p>
+        </p:txBody>
+      </p:sp>
     </p:spTree>
     <p:extLst>
       <p:ext uri="{BB962C8B-B14F-4D97-AF65-F5344CB8AC3E}">
-        <p14:creationId xmlns:p14="http://schemas.microsoft.com/office/powerpoint/2010/main" val="1580353489"/>
+        <p14:creationId xmlns:p14="http://schemas.microsoft.com/office/powerpoint/2010/main" val="92031163"/>
       </p:ext>
     </p:extLst>
   </p:cSld>
@@ -8386,7 +8614,7 @@
         <p:spPr>
           <a:xfrm>
             <a:off x="680321" y="753228"/>
-            <a:ext cx="9613861" cy="788189"/>
+            <a:ext cx="9613861" cy="762063"/>
           </a:xfrm>
         </p:spPr>
         <p:txBody>
@@ -8395,11 +8623,7 @@
           <a:p>
             <a:r>
               <a:rPr lang="en-US" b="1" dirty="0"/>
-              <a:t>Docker </a:t>
-            </a:r>
-            <a:r>
-              <a:rPr lang="en-US" b="1" dirty="0" smtClean="0"/>
-              <a:t>remove</a:t>
+              <a:t>Docker run</a:t>
             </a:r>
             <a:endParaRPr lang="en-US" dirty="0"/>
           </a:p>
@@ -8417,7 +8641,7 @@
         </p:nvSpPr>
         <p:spPr>
           <a:xfrm>
-            <a:off x="1141412" y="1541417"/>
+            <a:off x="1141412" y="1515291"/>
             <a:ext cx="9905999" cy="404949"/>
           </a:xfrm>
         </p:spPr>
@@ -8431,13 +8655,9 @@
               <a:buNone/>
             </a:pPr>
             <a:r>
-              <a:rPr lang="en-US" b="1" dirty="0"/>
-              <a:t>To remove the created docker image</a:t>
-            </a:r>
-            <a:endParaRPr lang="en-US" dirty="0"/>
-          </a:p>
-          <a:p>
-            <a:endParaRPr lang="en-US" dirty="0"/>
+              <a:rPr lang="en-US" dirty="0"/>
+              <a:t>To see the running docker image</a:t>
+            </a:r>
           </a:p>
         </p:txBody>
       </p:sp>
@@ -8455,18 +8675,48 @@
         </p:blipFill>
         <p:spPr>
           <a:xfrm>
-            <a:off x="1141411" y="3013165"/>
-            <a:ext cx="8538165" cy="2107475"/>
+            <a:off x="1141412" y="2450307"/>
+            <a:ext cx="8002588" cy="1924597"/>
           </a:xfrm>
           <a:prstGeom prst="rect">
             <a:avLst/>
           </a:prstGeom>
         </p:spPr>
       </p:pic>
+      <p:sp>
+        <p:nvSpPr>
+          <p:cNvPr id="7" name="TextBox 6"/>
+          <p:cNvSpPr txBox="1"/>
+          <p:nvPr/>
+        </p:nvSpPr>
+        <p:spPr>
+          <a:xfrm>
+            <a:off x="779929" y="4854388"/>
+            <a:ext cx="10071847" cy="923330"/>
+          </a:xfrm>
+          <a:prstGeom prst="rect">
+            <a:avLst/>
+          </a:prstGeom>
+          <a:noFill/>
+        </p:spPr>
+        <p:txBody>
+          <a:bodyPr wrap="square" rtlCol="0">
+            <a:spAutoFit/>
+          </a:bodyPr>
+          <a:lstStyle/>
+          <a:p>
+            <a:r>
+              <a:rPr lang="en-US"/>
+              <a:t>The docker ps command is used to list all of the Docker containers that are currently running on your system. The output of the command includes the container ID, image name, container name, status, ports, and networks.</a:t>
+            </a:r>
+            <a:endParaRPr lang="en-US" dirty="0"/>
+          </a:p>
+        </p:txBody>
+      </p:sp>
     </p:spTree>
     <p:extLst>
       <p:ext uri="{BB962C8B-B14F-4D97-AF65-F5344CB8AC3E}">
-        <p14:creationId xmlns:p14="http://schemas.microsoft.com/office/powerpoint/2010/main" val="1762031114"/>
+        <p14:creationId xmlns:p14="http://schemas.microsoft.com/office/powerpoint/2010/main" val="4175612416"/>
       </p:ext>
     </p:extLst>
   </p:cSld>
@@ -8513,7 +8763,7 @@
         <p:spPr>
           <a:xfrm>
             <a:off x="680321" y="753228"/>
-            <a:ext cx="9613861" cy="696749"/>
+            <a:ext cx="9613861" cy="762063"/>
           </a:xfrm>
         </p:spPr>
         <p:txBody>
@@ -8521,44 +8771,43 @@
           <a:lstStyle/>
           <a:p>
             <a:r>
+              <a:rPr lang="en-US" b="1" dirty="0" smtClean="0"/>
+              <a:t>Docker stop</a:t>
+            </a:r>
+            <a:endParaRPr lang="en-US" dirty="0"/>
+          </a:p>
+        </p:txBody>
+      </p:sp>
+      <p:sp>
+        <p:nvSpPr>
+          <p:cNvPr id="3" name="Content Placeholder 2"/>
+          <p:cNvSpPr>
+            <a:spLocks noGrp="1"/>
+          </p:cNvSpPr>
+          <p:nvPr>
+            <p:ph idx="1"/>
+          </p:nvPr>
+        </p:nvSpPr>
+        <p:spPr>
+          <a:xfrm>
+            <a:off x="1141412" y="1515291"/>
+            <a:ext cx="9905999" cy="365760"/>
+          </a:xfrm>
+        </p:spPr>
+        <p:txBody>
+          <a:bodyPr>
+            <a:normAutofit fontScale="92500" lnSpcReduction="10000"/>
+          </a:bodyPr>
+          <a:lstStyle/>
+          <a:p>
+            <a:pPr marL="0" indent="0">
+              <a:buNone/>
+            </a:pPr>
+            <a:r>
               <a:rPr lang="en-US" b="1" dirty="0"/>
-              <a:t>Docker </a:t>
-            </a:r>
-            <a:r>
-              <a:rPr lang="en-US" b="1" dirty="0" smtClean="0"/>
-              <a:t>push</a:t>
+              <a:t>To stop the created docker image</a:t>
             </a:r>
             <a:endParaRPr lang="en-US" dirty="0"/>
-          </a:p>
-        </p:txBody>
-      </p:sp>
-      <p:sp>
-        <p:nvSpPr>
-          <p:cNvPr id="3" name="Content Placeholder 2"/>
-          <p:cNvSpPr>
-            <a:spLocks noGrp="1"/>
-          </p:cNvSpPr>
-          <p:nvPr>
-            <p:ph idx="1"/>
-          </p:nvPr>
-        </p:nvSpPr>
-        <p:spPr>
-          <a:xfrm>
-            <a:off x="1141412" y="1449978"/>
-            <a:ext cx="9905999" cy="431074"/>
-          </a:xfrm>
-        </p:spPr>
-        <p:txBody>
-          <a:bodyPr/>
-          <a:lstStyle/>
-          <a:p>
-            <a:pPr marL="0" indent="0">
-              <a:buNone/>
-            </a:pPr>
-            <a:r>
-              <a:rPr lang="en-US" dirty="0"/>
-              <a:t>To push the created docker image</a:t>
-            </a:r>
           </a:p>
         </p:txBody>
       </p:sp>
@@ -8576,8 +8825,8 @@
         </p:blipFill>
         <p:spPr>
           <a:xfrm>
-            <a:off x="1141411" y="3078479"/>
-            <a:ext cx="8289971" cy="1989910"/>
+            <a:off x="1141411" y="2965269"/>
+            <a:ext cx="8773297" cy="2011680"/>
           </a:xfrm>
           <a:prstGeom prst="rect">
             <a:avLst/>
@@ -8587,7 +8836,7 @@
     </p:spTree>
     <p:extLst>
       <p:ext uri="{BB962C8B-B14F-4D97-AF65-F5344CB8AC3E}">
-        <p14:creationId xmlns:p14="http://schemas.microsoft.com/office/powerpoint/2010/main" val="2484956424"/>
+        <p14:creationId xmlns:p14="http://schemas.microsoft.com/office/powerpoint/2010/main" val="1580353489"/>
       </p:ext>
     </p:extLst>
   </p:cSld>
@@ -8647,7 +8896,7 @@
             </a:r>
             <a:r>
               <a:rPr lang="en-US" b="1" dirty="0" smtClean="0"/>
-              <a:t>pull</a:t>
+              <a:t>remove</a:t>
             </a:r>
             <a:endParaRPr lang="en-US" dirty="0"/>
           </a:p>
@@ -8666,12 +8915,12 @@
         <p:spPr>
           <a:xfrm>
             <a:off x="1141412" y="1541417"/>
-            <a:ext cx="9905999" cy="378823"/>
+            <a:ext cx="9905999" cy="404949"/>
           </a:xfrm>
         </p:spPr>
         <p:txBody>
           <a:bodyPr>
-            <a:normAutofit fontScale="92500" lnSpcReduction="10000"/>
+            <a:normAutofit lnSpcReduction="10000"/>
           </a:bodyPr>
           <a:lstStyle/>
           <a:p>
@@ -8679,9 +8928,13 @@
               <a:buNone/>
             </a:pPr>
             <a:r>
-              <a:rPr lang="en-US" dirty="0"/>
-              <a:t>To pull the docker image</a:t>
-            </a:r>
+              <a:rPr lang="en-US" b="1" dirty="0"/>
+              <a:t>To remove the created docker image</a:t>
+            </a:r>
+            <a:endParaRPr lang="en-US" dirty="0"/>
+          </a:p>
+          <a:p>
+            <a:endParaRPr lang="en-US" dirty="0"/>
           </a:p>
         </p:txBody>
       </p:sp>
@@ -8699,18 +8952,81 @@
         </p:blipFill>
         <p:spPr>
           <a:xfrm>
-            <a:off x="1141411" y="2947849"/>
-            <a:ext cx="8681857" cy="2172791"/>
+            <a:off x="1141412" y="2056183"/>
+            <a:ext cx="8538165" cy="2107475"/>
           </a:xfrm>
           <a:prstGeom prst="rect">
             <a:avLst/>
           </a:prstGeom>
         </p:spPr>
       </p:pic>
+      <p:sp>
+        <p:nvSpPr>
+          <p:cNvPr id="5" name="TextBox 4"/>
+          <p:cNvSpPr txBox="1"/>
+          <p:nvPr/>
+        </p:nvSpPr>
+        <p:spPr>
+          <a:xfrm>
+            <a:off x="537882" y="4273476"/>
+            <a:ext cx="10865224" cy="2031325"/>
+          </a:xfrm>
+          <a:prstGeom prst="rect">
+            <a:avLst/>
+          </a:prstGeom>
+          <a:noFill/>
+        </p:spPr>
+        <p:txBody>
+          <a:bodyPr wrap="square" rtlCol="0">
+            <a:spAutoFit/>
+          </a:bodyPr>
+          <a:lstStyle/>
+          <a:p>
+            <a:r>
+              <a:rPr lang="en-US" dirty="0"/>
+              <a:t>docker: This is the name of the Docker command-line interface (CLI) tool.</a:t>
+            </a:r>
+          </a:p>
+          <a:p>
+            <a:r>
+              <a:rPr lang="en-US" dirty="0"/>
+              <a:t>image: This is the Docker command for managing Docker images.</a:t>
+            </a:r>
+          </a:p>
+          <a:p>
+            <a:r>
+              <a:rPr lang="en-US" dirty="0" err="1"/>
+              <a:t>rm</a:t>
+            </a:r>
+            <a:r>
+              <a:rPr lang="en-US" dirty="0"/>
+              <a:t>: This is the subcommand for removing a Docker image.</a:t>
+            </a:r>
+          </a:p>
+          <a:p>
+            <a:r>
+              <a:rPr lang="en-US" dirty="0"/>
+              <a:t>-f: This is a flag that means to force the removal of the image, even if it is currently in use by a container.</a:t>
+            </a:r>
+          </a:p>
+          <a:p>
+            <a:r>
+              <a:rPr lang="en-US" dirty="0"/>
+              <a:t>[dockerusername]/[image-name]: This is the name of the image that you want to remove.</a:t>
+            </a:r>
+          </a:p>
+          <a:p>
+            <a:r>
+              <a:rPr lang="en-US" dirty="0"/>
+              <a:t>:latest: This is the tag of the image that you want to remove. Tags are labels that are used to identify different versions of an image. In this case, the :latest tag specifies that you want to remove the latest version of the image.</a:t>
+            </a:r>
+          </a:p>
+        </p:txBody>
+      </p:sp>
     </p:spTree>
     <p:extLst>
       <p:ext uri="{BB962C8B-B14F-4D97-AF65-F5344CB8AC3E}">
-        <p14:creationId xmlns:p14="http://schemas.microsoft.com/office/powerpoint/2010/main" val="2313646683"/>
+        <p14:creationId xmlns:p14="http://schemas.microsoft.com/office/powerpoint/2010/main" val="1762031114"/>
       </p:ext>
     </p:extLst>
   </p:cSld>
@@ -8754,18 +9070,23 @@
             <p:ph type="title"/>
           </p:nvPr>
         </p:nvSpPr>
-        <p:spPr/>
+        <p:spPr>
+          <a:xfrm>
+            <a:off x="680321" y="753228"/>
+            <a:ext cx="9613861" cy="696749"/>
+          </a:xfrm>
+        </p:spPr>
         <p:txBody>
           <a:bodyPr/>
           <a:lstStyle/>
           <a:p>
             <a:r>
-              <a:rPr lang="en-US" dirty="0"/>
+              <a:rPr lang="en-US" b="1" dirty="0"/>
               <a:t>Docker </a:t>
             </a:r>
             <a:r>
-              <a:rPr lang="en-US" dirty="0" smtClean="0"/>
-              <a:t>Commands in spreadsheet view</a:t>
+              <a:rPr lang="en-US" b="1" dirty="0" smtClean="0"/>
+              <a:t>push</a:t>
             </a:r>
             <a:endParaRPr lang="en-US" dirty="0"/>
           </a:p>
@@ -8781,7 +9102,12 @@
             <p:ph idx="1"/>
           </p:nvPr>
         </p:nvSpPr>
-        <p:spPr/>
+        <p:spPr>
+          <a:xfrm>
+            <a:off x="1141412" y="1449978"/>
+            <a:ext cx="9905999" cy="431074"/>
+          </a:xfrm>
+        </p:spPr>
         <p:txBody>
           <a:bodyPr/>
           <a:lstStyle/>
@@ -8789,35 +9115,39 @@
             <a:pPr marL="0" indent="0">
               <a:buNone/>
             </a:pPr>
-            <a:endParaRPr lang="en-US" dirty="0" smtClean="0">
-              <a:hlinkClick r:id="rId2"/>
-            </a:endParaRPr>
-          </a:p>
-          <a:p>
-            <a:pPr marL="0" indent="0">
-              <a:buNone/>
-            </a:pPr>
-            <a:r>
-              <a:rPr lang="en-US" dirty="0" smtClean="0">
-                <a:solidFill>
-                  <a:srgbClr val="0070C0"/>
-                </a:solidFill>
-                <a:hlinkClick r:id="rId2"/>
-              </a:rPr>
-              <a:t>https://docs.google.com/spreadsheets/d/1bTuK-ZhOHsL5yU-MIYwtRYeXCEwnle-kgYBXcm5KMyc/edit#gid=1643686534</a:t>
-            </a:r>
-            <a:endParaRPr lang="en-US" dirty="0">
-              <a:solidFill>
-                <a:srgbClr val="0070C0"/>
-              </a:solidFill>
-            </a:endParaRPr>
-          </a:p>
-        </p:txBody>
-      </p:sp>
+            <a:r>
+              <a:rPr lang="en-US" dirty="0"/>
+              <a:t>To push the created docker image</a:t>
+            </a:r>
+          </a:p>
+        </p:txBody>
+      </p:sp>
+      <p:pic>
+        <p:nvPicPr>
+          <p:cNvPr id="4" name="Picture 3"/>
+          <p:cNvPicPr/>
+          <p:nvPr/>
+        </p:nvPicPr>
+        <p:blipFill>
+          <a:blip r:embed="rId2"/>
+          <a:stretch>
+            <a:fillRect/>
+          </a:stretch>
+        </p:blipFill>
+        <p:spPr>
+          <a:xfrm>
+            <a:off x="1141411" y="3078479"/>
+            <a:ext cx="8289971" cy="1989910"/>
+          </a:xfrm>
+          <a:prstGeom prst="rect">
+            <a:avLst/>
+          </a:prstGeom>
+        </p:spPr>
+      </p:pic>
     </p:spTree>
     <p:extLst>
       <p:ext uri="{BB962C8B-B14F-4D97-AF65-F5344CB8AC3E}">
-        <p14:creationId xmlns:p14="http://schemas.microsoft.com/office/powerpoint/2010/main" val="172551299"/>
+        <p14:creationId xmlns:p14="http://schemas.microsoft.com/office/powerpoint/2010/main" val="2484956424"/>
       </p:ext>
     </p:extLst>
   </p:cSld>
@@ -8861,37 +9191,56 @@
             <p:ph type="title"/>
           </p:nvPr>
         </p:nvSpPr>
-        <p:spPr/>
+        <p:spPr>
+          <a:xfrm>
+            <a:off x="680321" y="753228"/>
+            <a:ext cx="9613861" cy="788189"/>
+          </a:xfrm>
+        </p:spPr>
         <p:txBody>
           <a:bodyPr/>
           <a:lstStyle/>
           <a:p>
             <a:r>
+              <a:rPr lang="en-US" b="1" dirty="0"/>
+              <a:t>Docker </a:t>
+            </a:r>
+            <a:r>
+              <a:rPr lang="en-US" b="1" dirty="0" smtClean="0"/>
+              <a:t>pull</a:t>
+            </a:r>
+            <a:endParaRPr lang="en-US" dirty="0"/>
+          </a:p>
+        </p:txBody>
+      </p:sp>
+      <p:sp>
+        <p:nvSpPr>
+          <p:cNvPr id="3" name="Content Placeholder 2"/>
+          <p:cNvSpPr>
+            <a:spLocks noGrp="1"/>
+          </p:cNvSpPr>
+          <p:nvPr>
+            <p:ph idx="1"/>
+          </p:nvPr>
+        </p:nvSpPr>
+        <p:spPr>
+          <a:xfrm>
+            <a:off x="1141412" y="1541417"/>
+            <a:ext cx="9905999" cy="378823"/>
+          </a:xfrm>
+        </p:spPr>
+        <p:txBody>
+          <a:bodyPr>
+            <a:normAutofit fontScale="92500" lnSpcReduction="10000"/>
+          </a:bodyPr>
+          <a:lstStyle/>
+          <a:p>
+            <a:pPr marL="0" indent="0">
+              <a:buNone/>
+            </a:pPr>
+            <a:r>
               <a:rPr lang="en-US" dirty="0"/>
-              <a:t>Conclusion</a:t>
-            </a:r>
-            <a:endParaRPr lang="en-US" dirty="0"/>
-          </a:p>
-        </p:txBody>
-      </p:sp>
-      <p:sp>
-        <p:nvSpPr>
-          <p:cNvPr id="3" name="Content Placeholder 2"/>
-          <p:cNvSpPr>
-            <a:spLocks noGrp="1"/>
-          </p:cNvSpPr>
-          <p:nvPr>
-            <p:ph idx="1"/>
-          </p:nvPr>
-        </p:nvSpPr>
-        <p:spPr/>
-        <p:txBody>
-          <a:bodyPr/>
-          <a:lstStyle/>
-          <a:p>
-            <a:r>
-              <a:rPr lang="en-US" dirty="0"/>
-              <a:t>Docker is a powerful platform for building, running, and managing containerized applications. It is a popular choice for developers and DevOps teams who want to build and deploy applications quickly and easily</a:t>
+              <a:t>To pull the docker image</a:t>
             </a:r>
           </a:p>
         </p:txBody>
@@ -8899,27 +9248,19 @@
       <p:pic>
         <p:nvPicPr>
           <p:cNvPr id="4" name="Picture 3"/>
-          <p:cNvPicPr>
-            <a:picLocks noChangeAspect="1"/>
-          </p:cNvPicPr>
+          <p:cNvPicPr/>
           <p:nvPr/>
         </p:nvPicPr>
         <p:blipFill>
-          <a:blip r:embed="rId2" cstate="print">
-            <a:extLst>
-              <a:ext uri="{28A0092B-C50C-407E-A947-70E740481C1C}">
-                <a14:useLocalDpi xmlns:a14="http://schemas.microsoft.com/office/drawing/2010/main" val="0"/>
-              </a:ext>
-            </a:extLst>
-          </a:blip>
+          <a:blip r:embed="rId2"/>
           <a:stretch>
             <a:fillRect/>
           </a:stretch>
         </p:blipFill>
         <p:spPr>
           <a:xfrm>
-            <a:off x="8804364" y="5936189"/>
-            <a:ext cx="3252651" cy="785739"/>
+            <a:off x="1141411" y="2947849"/>
+            <a:ext cx="8681857" cy="2172791"/>
           </a:xfrm>
           <a:prstGeom prst="rect">
             <a:avLst/>
@@ -8929,7 +9270,114 @@
     </p:spTree>
     <p:extLst>
       <p:ext uri="{BB962C8B-B14F-4D97-AF65-F5344CB8AC3E}">
-        <p14:creationId xmlns:p14="http://schemas.microsoft.com/office/powerpoint/2010/main" val="2182640649"/>
+        <p14:creationId xmlns:p14="http://schemas.microsoft.com/office/powerpoint/2010/main" val="2313646683"/>
+      </p:ext>
+    </p:extLst>
+  </p:cSld>
+  <p:clrMapOvr>
+    <a:masterClrMapping/>
+  </p:clrMapOvr>
+  <p:timing>
+    <p:tnLst>
+      <p:par>
+        <p:cTn id="1" dur="indefinite" restart="never" nodeType="tmRoot"/>
+      </p:par>
+    </p:tnLst>
+  </p:timing>
+</p:sld>
+</file>
+
+<file path=ppt/slides/slide19.xml><?xml version="1.0" encoding="utf-8"?>
+<p:sld xmlns:a="http://schemas.openxmlformats.org/drawingml/2006/main" xmlns:r="http://schemas.openxmlformats.org/officeDocument/2006/relationships" xmlns:p="http://schemas.openxmlformats.org/presentationml/2006/main">
+  <p:cSld>
+    <p:spTree>
+      <p:nvGrpSpPr>
+        <p:cNvPr id="1" name=""/>
+        <p:cNvGrpSpPr/>
+        <p:nvPr/>
+      </p:nvGrpSpPr>
+      <p:grpSpPr>
+        <a:xfrm>
+          <a:off x="0" y="0"/>
+          <a:ext cx="0" cy="0"/>
+          <a:chOff x="0" y="0"/>
+          <a:chExt cx="0" cy="0"/>
+        </a:xfrm>
+      </p:grpSpPr>
+      <p:sp>
+        <p:nvSpPr>
+          <p:cNvPr id="2" name="Title 1"/>
+          <p:cNvSpPr>
+            <a:spLocks noGrp="1"/>
+          </p:cNvSpPr>
+          <p:nvPr>
+            <p:ph type="title"/>
+          </p:nvPr>
+        </p:nvSpPr>
+        <p:spPr/>
+        <p:txBody>
+          <a:bodyPr/>
+          <a:lstStyle/>
+          <a:p>
+            <a:r>
+              <a:rPr lang="en-US" dirty="0"/>
+              <a:t>Docker </a:t>
+            </a:r>
+            <a:r>
+              <a:rPr lang="en-US" dirty="0" smtClean="0"/>
+              <a:t>Commands in spreadsheet view</a:t>
+            </a:r>
+            <a:endParaRPr lang="en-US" dirty="0"/>
+          </a:p>
+        </p:txBody>
+      </p:sp>
+      <p:sp>
+        <p:nvSpPr>
+          <p:cNvPr id="3" name="Content Placeholder 2"/>
+          <p:cNvSpPr>
+            <a:spLocks noGrp="1"/>
+          </p:cNvSpPr>
+          <p:nvPr>
+            <p:ph idx="1"/>
+          </p:nvPr>
+        </p:nvSpPr>
+        <p:spPr/>
+        <p:txBody>
+          <a:bodyPr/>
+          <a:lstStyle/>
+          <a:p>
+            <a:pPr marL="0" indent="0">
+              <a:buNone/>
+            </a:pPr>
+            <a:endParaRPr lang="en-US" dirty="0" smtClean="0">
+              <a:hlinkClick r:id="rId2"/>
+            </a:endParaRPr>
+          </a:p>
+          <a:p>
+            <a:pPr marL="0" indent="0">
+              <a:buNone/>
+            </a:pPr>
+            <a:r>
+              <a:rPr lang="en-US" dirty="0" smtClean="0">
+                <a:solidFill>
+                  <a:srgbClr val="0070C0"/>
+                </a:solidFill>
+                <a:hlinkClick r:id="rId2"/>
+              </a:rPr>
+              <a:t>https://docs.google.com/spreadsheets/d/1bTuK-ZhOHsL5yU-MIYwtRYeXCEwnle-kgYBXcm5KMyc/edit#gid=1643686534</a:t>
+            </a:r>
+            <a:endParaRPr lang="en-US" dirty="0">
+              <a:solidFill>
+                <a:srgbClr val="0070C0"/>
+              </a:solidFill>
+            </a:endParaRPr>
+          </a:p>
+        </p:txBody>
+      </p:sp>
+    </p:spTree>
+    <p:extLst>
+      <p:ext uri="{BB962C8B-B14F-4D97-AF65-F5344CB8AC3E}">
+        <p14:creationId xmlns:p14="http://schemas.microsoft.com/office/powerpoint/2010/main" val="172551299"/>
       </p:ext>
     </p:extLst>
   </p:cSld>
@@ -8965,6 +9413,236 @@
       </p:grpSpPr>
       <p:sp>
         <p:nvSpPr>
+          <p:cNvPr id="4" name="TextBox 3"/>
+          <p:cNvSpPr txBox="1"/>
+          <p:nvPr/>
+        </p:nvSpPr>
+        <p:spPr>
+          <a:xfrm>
+            <a:off x="430306" y="766483"/>
+            <a:ext cx="10367681" cy="5909310"/>
+          </a:xfrm>
+          <a:prstGeom prst="rect">
+            <a:avLst/>
+          </a:prstGeom>
+          <a:noFill/>
+        </p:spPr>
+        <p:txBody>
+          <a:bodyPr wrap="square" rtlCol="0">
+            <a:spAutoFit/>
+          </a:bodyPr>
+          <a:lstStyle/>
+          <a:p>
+            <a:r>
+              <a:rPr lang="en-US" dirty="0"/>
+              <a:t>Step 1:We have to Prepare our ML Model</a:t>
+            </a:r>
+          </a:p>
+          <a:p>
+            <a:r>
+              <a:rPr lang="en-US" dirty="0"/>
+              <a:t>Ensure that we have our ML model trained and ready.</a:t>
+            </a:r>
+          </a:p>
+          <a:p>
+            <a:r>
+              <a:rPr lang="en-US" dirty="0"/>
+              <a:t>Step 2: Save our Trained Model</a:t>
+            </a:r>
+          </a:p>
+          <a:p>
+            <a:r>
+              <a:rPr lang="en-US" dirty="0"/>
+              <a:t>Save our trained model to a file using serialization libraries like pickle or </a:t>
+            </a:r>
+            <a:r>
+              <a:rPr lang="en-US" dirty="0" err="1"/>
+              <a:t>joblib</a:t>
+            </a:r>
+            <a:r>
+              <a:rPr lang="en-US" dirty="0"/>
+              <a:t>. This step is crucial for later deployment.  (e.g., pickled models) ready for deployment.</a:t>
+            </a:r>
+          </a:p>
+          <a:p>
+            <a:r>
+              <a:rPr lang="en-US" dirty="0"/>
+              <a:t>Step 3: Save Preprocessing Objects</a:t>
+            </a:r>
+          </a:p>
+          <a:p>
+            <a:r>
+              <a:rPr lang="en-US" dirty="0"/>
+              <a:t>If we used any preprocessing steps during training, save those objects (e.g., </a:t>
+            </a:r>
+            <a:r>
+              <a:rPr lang="en-US" dirty="0" err="1"/>
+              <a:t>vectorizers</a:t>
+            </a:r>
+            <a:r>
+              <a:rPr lang="en-US" dirty="0"/>
+              <a:t>) to ensure consistency during deployment.</a:t>
+            </a:r>
+          </a:p>
+          <a:p>
+            <a:r>
+              <a:rPr lang="en-US" dirty="0"/>
+              <a:t>Step 4: Create a Prediction Script</a:t>
+            </a:r>
+          </a:p>
+          <a:p>
+            <a:r>
+              <a:rPr lang="en-US" dirty="0"/>
+              <a:t>Develop Prediction Function:</a:t>
+            </a:r>
+          </a:p>
+          <a:p>
+            <a:r>
+              <a:rPr lang="en-US" dirty="0"/>
+              <a:t>Create a simple script or function that loads the trained model and any necessary preprocessing objects. This script should be capable of making predictions based on new data.</a:t>
+            </a:r>
+          </a:p>
+          <a:p>
+            <a:r>
+              <a:rPr lang="en-US" dirty="0"/>
+              <a:t>Step 5: Dockerize Your Model</a:t>
+            </a:r>
+          </a:p>
+          <a:p>
+            <a:r>
+              <a:rPr lang="en-US" dirty="0"/>
+              <a:t>Create </a:t>
+            </a:r>
+            <a:r>
+              <a:rPr lang="en-US" dirty="0" smtClean="0"/>
+              <a:t>Docker file:</a:t>
+            </a:r>
+            <a:endParaRPr lang="en-US" dirty="0"/>
+          </a:p>
+          <a:p>
+            <a:r>
+              <a:rPr lang="en-US" dirty="0"/>
+              <a:t>Develop a </a:t>
+            </a:r>
+            <a:r>
+              <a:rPr lang="en-US" dirty="0" smtClean="0"/>
+              <a:t>Docker file </a:t>
+            </a:r>
+            <a:r>
+              <a:rPr lang="en-US" dirty="0"/>
+              <a:t>specifying the dependencies and commands needed to run your prediction script.</a:t>
+            </a:r>
+          </a:p>
+          <a:p>
+            <a:r>
+              <a:rPr lang="en-US" dirty="0"/>
+              <a:t>Build Docker Image:</a:t>
+            </a:r>
+          </a:p>
+          <a:p>
+            <a:r>
+              <a:rPr lang="en-US" dirty="0"/>
+              <a:t>Build a Docker image using the docker build command.</a:t>
+            </a:r>
+          </a:p>
+          <a:p>
+            <a:r>
+              <a:rPr lang="en-US" dirty="0"/>
+              <a:t>Run Docker Container:</a:t>
+            </a:r>
+          </a:p>
+          <a:p>
+            <a:r>
+              <a:rPr lang="en-US" dirty="0"/>
+              <a:t>Run a Docker container using the docker run command, making our prediction script accessible through an API.</a:t>
+            </a:r>
+          </a:p>
+          <a:p>
+            <a:r>
+              <a:rPr lang="en-US" dirty="0"/>
+              <a:t>Step 6: Test our Deployed Model:</a:t>
+            </a:r>
+          </a:p>
+          <a:p>
+            <a:r>
+              <a:rPr lang="en-US" dirty="0"/>
+              <a:t>Use sample data to test your deployed model. Ensure that the predictions are coming as expected.</a:t>
+            </a:r>
+          </a:p>
+        </p:txBody>
+      </p:sp>
+      <p:sp>
+        <p:nvSpPr>
+          <p:cNvPr id="5" name="TextBox 4"/>
+          <p:cNvSpPr txBox="1"/>
+          <p:nvPr/>
+        </p:nvSpPr>
+        <p:spPr>
+          <a:xfrm>
+            <a:off x="201705" y="336176"/>
+            <a:ext cx="8377518" cy="677108"/>
+          </a:xfrm>
+          <a:prstGeom prst="rect">
+            <a:avLst/>
+          </a:prstGeom>
+          <a:noFill/>
+        </p:spPr>
+        <p:txBody>
+          <a:bodyPr wrap="square" rtlCol="0">
+            <a:spAutoFit/>
+          </a:bodyPr>
+          <a:lstStyle/>
+          <a:p>
+            <a:r>
+              <a:rPr lang="en-US" sz="2000" b="1" dirty="0"/>
+              <a:t>Deploying a Machine Learning Model with Docker: A Step-by-Step Guide</a:t>
+            </a:r>
+            <a:endParaRPr lang="en-US" b="1" dirty="0"/>
+          </a:p>
+          <a:p>
+            <a:endParaRPr lang="en-US" dirty="0"/>
+          </a:p>
+        </p:txBody>
+      </p:sp>
+    </p:spTree>
+    <p:extLst>
+      <p:ext uri="{BB962C8B-B14F-4D97-AF65-F5344CB8AC3E}">
+        <p14:creationId xmlns:p14="http://schemas.microsoft.com/office/powerpoint/2010/main" val="3278449431"/>
+      </p:ext>
+    </p:extLst>
+  </p:cSld>
+  <p:clrMapOvr>
+    <a:masterClrMapping/>
+  </p:clrMapOvr>
+  <p:timing>
+    <p:tnLst>
+      <p:par>
+        <p:cTn id="1" dur="indefinite" restart="never" nodeType="tmRoot"/>
+      </p:par>
+    </p:tnLst>
+  </p:timing>
+</p:sld>
+</file>
+
+<file path=ppt/slides/slide20.xml><?xml version="1.0" encoding="utf-8"?>
+<p:sld xmlns:a="http://schemas.openxmlformats.org/drawingml/2006/main" xmlns:r="http://schemas.openxmlformats.org/officeDocument/2006/relationships" xmlns:p="http://schemas.openxmlformats.org/presentationml/2006/main">
+  <p:cSld>
+    <p:spTree>
+      <p:nvGrpSpPr>
+        <p:cNvPr id="1" name=""/>
+        <p:cNvGrpSpPr/>
+        <p:nvPr/>
+      </p:nvGrpSpPr>
+      <p:grpSpPr>
+        <a:xfrm>
+          <a:off x="0" y="0"/>
+          <a:ext cx="0" cy="0"/>
+          <a:chOff x="0" y="0"/>
+          <a:chExt cx="0" cy="0"/>
+        </a:xfrm>
+      </p:grpSpPr>
+      <p:sp>
+        <p:nvSpPr>
           <p:cNvPr id="2" name="Title 1"/>
           <p:cNvSpPr>
             <a:spLocks noGrp="1"/>
@@ -8980,7 +9658,7 @@
           <a:p>
             <a:r>
               <a:rPr lang="en-US" dirty="0"/>
-              <a:t>What is Docker?</a:t>
+              <a:t>Conclusion</a:t>
             </a:r>
           </a:p>
         </p:txBody>
@@ -8995,33 +9673,14 @@
             <p:ph idx="1"/>
           </p:nvPr>
         </p:nvSpPr>
-        <p:spPr>
-          <a:xfrm>
-            <a:off x="1141412" y="2249487"/>
-            <a:ext cx="6212977" cy="3746364"/>
-          </a:xfrm>
-        </p:spPr>
-        <p:txBody>
-          <a:bodyPr>
-            <a:normAutofit lnSpcReduction="10000"/>
-          </a:bodyPr>
+        <p:spPr/>
+        <p:txBody>
+          <a:bodyPr/>
           <a:lstStyle/>
           <a:p>
             <a:r>
               <a:rPr lang="en-US" dirty="0"/>
-              <a:t>Docker is a platform for building, running, and managing containerized applications.</a:t>
-            </a:r>
-          </a:p>
-          <a:p>
-            <a:r>
-              <a:rPr lang="en-US" dirty="0"/>
-              <a:t>Containers are lightweight, standalone, executable packages of software that include everything needed to run an application: code, runtime, system tools, system libraries and settings.</a:t>
-            </a:r>
-          </a:p>
-          <a:p>
-            <a:r>
-              <a:rPr lang="en-US" dirty="0"/>
-              <a:t>Docker makes it easy to package up an application and its dependencies into a single image that can be run consistently across different environments.</a:t>
+              <a:t>Docker is a powerful platform for building, running, and managing containerized applications. It is a popular choice for developers and DevOps teams who want to build and deploy applications quickly and easily</a:t>
             </a:r>
           </a:p>
         </p:txBody>
@@ -9035,15 +9694,21 @@
           <p:nvPr/>
         </p:nvPicPr>
         <p:blipFill>
-          <a:blip r:embed="rId2"/>
+          <a:blip r:embed="rId2" cstate="print">
+            <a:extLst>
+              <a:ext uri="{28A0092B-C50C-407E-A947-70E740481C1C}">
+                <a14:useLocalDpi xmlns:a14="http://schemas.microsoft.com/office/drawing/2010/main" val="0"/>
+              </a:ext>
+            </a:extLst>
+          </a:blip>
           <a:stretch>
             <a:fillRect/>
           </a:stretch>
         </p:blipFill>
         <p:spPr>
           <a:xfrm>
-            <a:off x="7641772" y="2249487"/>
-            <a:ext cx="3886815" cy="3746364"/>
+            <a:off x="8804364" y="5936189"/>
+            <a:ext cx="3252651" cy="785739"/>
           </a:xfrm>
           <a:prstGeom prst="rect">
             <a:avLst/>
@@ -9053,7 +9718,7 @@
     </p:spTree>
     <p:extLst>
       <p:ext uri="{BB962C8B-B14F-4D97-AF65-F5344CB8AC3E}">
-        <p14:creationId xmlns:p14="http://schemas.microsoft.com/office/powerpoint/2010/main" val="3641711479"/>
+        <p14:creationId xmlns:p14="http://schemas.microsoft.com/office/powerpoint/2010/main" val="2182640649"/>
       </p:ext>
     </p:extLst>
   </p:cSld>
@@ -9104,9 +9769,8 @@
           <a:p>
             <a:r>
               <a:rPr lang="en-US" dirty="0"/>
-              <a:t>Why use Docker?</a:t>
-            </a:r>
-            <a:endParaRPr lang="en-US" dirty="0"/>
+              <a:t>What is Docker?</a:t>
+            </a:r>
           </a:p>
         </p:txBody>
       </p:sp>
@@ -9120,78 +9784,65 @@
             <p:ph idx="1"/>
           </p:nvPr>
         </p:nvSpPr>
-        <p:spPr/>
+        <p:spPr>
+          <a:xfrm>
+            <a:off x="1141412" y="2249487"/>
+            <a:ext cx="6212977" cy="3746364"/>
+          </a:xfrm>
+        </p:spPr>
         <p:txBody>
           <a:bodyPr>
-            <a:normAutofit fontScale="92500" lnSpcReduction="10000"/>
+            <a:normAutofit lnSpcReduction="10000"/>
           </a:bodyPr>
           <a:lstStyle/>
           <a:p>
             <a:r>
-              <a:rPr lang="en-US" b="1" dirty="0"/>
-              <a:t>Portability</a:t>
-            </a:r>
-            <a:r>
               <a:rPr lang="en-US" dirty="0"/>
-              <a:t>: Docker </a:t>
-            </a:r>
-            <a:r>
-              <a:rPr lang="en-US" sz="3400" dirty="0"/>
-              <a:t>containers</a:t>
-            </a:r>
+              <a:t>Docker is a platform for building, running, and managing containerized applications.</a:t>
+            </a:r>
+          </a:p>
+          <a:p>
             <a:r>
               <a:rPr lang="en-US" dirty="0"/>
-              <a:t> can be run on any system that has the Docker Engine installed. This makes it easy to move applications between different environments, such as development, staging, and production.</a:t>
-            </a:r>
-          </a:p>
-          <a:p>
-            <a:r>
-              <a:rPr lang="en-US" b="1" dirty="0"/>
-              <a:t>Isolation</a:t>
-            </a:r>
+              <a:t>Containers are lightweight, standalone, executable packages of software that include everything needed to run an application: code, runtime, system tools, system libraries and settings.</a:t>
+            </a:r>
+          </a:p>
+          <a:p>
             <a:r>
               <a:rPr lang="en-US" dirty="0"/>
-              <a:t>: Docker containers are isolated from each other, which means that they cannot interfere with each other. This makes it easy to run multiple applications on the same system without worrying about conflicts.</a:t>
-            </a:r>
-          </a:p>
-          <a:p>
-            <a:r>
-              <a:rPr lang="en-US" b="1" dirty="0"/>
-              <a:t>Reproducibility</a:t>
-            </a:r>
-            <a:r>
-              <a:rPr lang="en-US" dirty="0"/>
-              <a:t>: Docker containers are always built from the same image, which means that they are always reproducible. This makes it easy to deploy applications consistently across different environments.</a:t>
-            </a:r>
-          </a:p>
-          <a:p>
-            <a:r>
-              <a:rPr lang="en-US" b="1" dirty="0" smtClean="0"/>
-              <a:t>Resource efficiency</a:t>
-            </a:r>
-            <a:r>
-              <a:rPr lang="en-US" dirty="0" smtClean="0"/>
-              <a:t>: </a:t>
-            </a:r>
-            <a:r>
-              <a:rPr lang="en-US" dirty="0"/>
-              <a:t>Docker containers share the host machine's kernel, which means that </a:t>
-            </a:r>
-            <a:r>
-              <a:rPr lang="en-US" dirty="0" smtClean="0"/>
-              <a:t>they </a:t>
-            </a:r>
-            <a:r>
-              <a:rPr lang="en-US" dirty="0"/>
-              <a:t>are more resource-efficient than traditional virtual machines.</a:t>
-            </a:r>
-          </a:p>
-        </p:txBody>
-      </p:sp>
+              <a:t>Docker makes it easy to package up an application and its dependencies into a single image that can be run consistently across different environments.</a:t>
+            </a:r>
+          </a:p>
+        </p:txBody>
+      </p:sp>
+      <p:pic>
+        <p:nvPicPr>
+          <p:cNvPr id="4" name="Picture 3"/>
+          <p:cNvPicPr>
+            <a:picLocks noChangeAspect="1"/>
+          </p:cNvPicPr>
+          <p:nvPr/>
+        </p:nvPicPr>
+        <p:blipFill>
+          <a:blip r:embed="rId2"/>
+          <a:stretch>
+            <a:fillRect/>
+          </a:stretch>
+        </p:blipFill>
+        <p:spPr>
+          <a:xfrm>
+            <a:off x="7641772" y="2249487"/>
+            <a:ext cx="3886815" cy="3746364"/>
+          </a:xfrm>
+          <a:prstGeom prst="rect">
+            <a:avLst/>
+          </a:prstGeom>
+        </p:spPr>
+      </p:pic>
     </p:spTree>
     <p:extLst>
       <p:ext uri="{BB962C8B-B14F-4D97-AF65-F5344CB8AC3E}">
-        <p14:creationId xmlns:p14="http://schemas.microsoft.com/office/powerpoint/2010/main" val="1202085656"/>
+        <p14:creationId xmlns:p14="http://schemas.microsoft.com/office/powerpoint/2010/main" val="3641711479"/>
       </p:ext>
     </p:extLst>
   </p:cSld>
@@ -9242,7 +9893,7 @@
           <a:p>
             <a:r>
               <a:rPr lang="en-US" dirty="0"/>
-              <a:t>How does Docker work?</a:t>
+              <a:t>Why use Docker?</a:t>
             </a:r>
           </a:p>
         </p:txBody>
@@ -9257,109 +9908,78 @@
             <p:ph idx="1"/>
           </p:nvPr>
         </p:nvSpPr>
-        <p:spPr>
-          <a:xfrm>
-            <a:off x="4433252" y="2097087"/>
-            <a:ext cx="6826931" cy="3890057"/>
-          </a:xfrm>
-        </p:spPr>
+        <p:spPr/>
         <p:txBody>
           <a:bodyPr>
-            <a:normAutofit fontScale="77500" lnSpcReduction="20000"/>
+            <a:normAutofit fontScale="92500" lnSpcReduction="10000"/>
           </a:bodyPr>
           <a:lstStyle/>
           <a:p>
-            <a:endParaRPr lang="en-US" sz="3100" dirty="0" smtClean="0"/>
-          </a:p>
-          <a:p>
-            <a:r>
-              <a:rPr lang="en-US" sz="3100" dirty="0" smtClean="0"/>
-              <a:t>Docker </a:t>
-            </a:r>
-            <a:r>
-              <a:rPr lang="en-US" sz="3100" dirty="0"/>
-              <a:t>images are built from Dockerfiles.</a:t>
-            </a:r>
-          </a:p>
-          <a:p>
-            <a:r>
-              <a:rPr lang="en-US" sz="3100" dirty="0"/>
-              <a:t>Dockerfiles are text files that contain instructions for building a Docker image.</a:t>
-            </a:r>
-          </a:p>
-          <a:p>
-            <a:r>
-              <a:rPr lang="en-US" sz="3100" dirty="0"/>
-              <a:t>Docker images are stored in a registry.</a:t>
-            </a:r>
-          </a:p>
-          <a:p>
-            <a:r>
-              <a:rPr lang="en-US" sz="3100" dirty="0"/>
-              <a:t>Docker registries are central repositories where Docker images can be stored and shared.</a:t>
-            </a:r>
-          </a:p>
-          <a:p>
-            <a:r>
-              <a:rPr lang="en-US" sz="3100" dirty="0"/>
-              <a:t>Docker containers are created from Docker images.</a:t>
-            </a:r>
-          </a:p>
-          <a:p>
-            <a:r>
-              <a:rPr lang="en-US" sz="3100" dirty="0"/>
-              <a:t>Docker containers are run on Docker hosts.</a:t>
-            </a:r>
-          </a:p>
-          <a:p>
-            <a:r>
-              <a:rPr lang="en-US" sz="3100" dirty="0"/>
-              <a:t>Docker hosts are machines that have the Docker Engine installed</a:t>
+            <a:r>
+              <a:rPr lang="en-US" b="1" dirty="0"/>
+              <a:t>Portability</a:t>
             </a:r>
             <a:r>
               <a:rPr lang="en-US" dirty="0"/>
-              <a:t>.</a:t>
-            </a:r>
-          </a:p>
-          <a:p>
-            <a:endParaRPr lang="en-US" dirty="0"/>
-          </a:p>
-        </p:txBody>
-      </p:sp>
-      <p:pic>
-        <p:nvPicPr>
-          <p:cNvPr id="4" name="Picture 3"/>
-          <p:cNvPicPr>
-            <a:picLocks noChangeAspect="1"/>
-          </p:cNvPicPr>
-          <p:nvPr/>
-        </p:nvPicPr>
-        <p:blipFill>
-          <a:blip r:embed="rId2">
-            <a:extLst>
-              <a:ext uri="{28A0092B-C50C-407E-A947-70E740481C1C}">
-                <a14:useLocalDpi xmlns:a14="http://schemas.microsoft.com/office/drawing/2010/main" val="0"/>
-              </a:ext>
-            </a:extLst>
-          </a:blip>
-          <a:stretch>
-            <a:fillRect/>
-          </a:stretch>
-        </p:blipFill>
-        <p:spPr>
-          <a:xfrm>
-            <a:off x="1031966" y="2097088"/>
-            <a:ext cx="3401286" cy="3890056"/>
-          </a:xfrm>
-          <a:prstGeom prst="rect">
-            <a:avLst/>
-          </a:prstGeom>
-        </p:spPr>
-      </p:pic>
+              <a:t>: Docker </a:t>
+            </a:r>
+            <a:r>
+              <a:rPr lang="en-US" sz="3400" dirty="0"/>
+              <a:t>containers</a:t>
+            </a:r>
+            <a:r>
+              <a:rPr lang="en-US" dirty="0"/>
+              <a:t> can be run on any system that has the Docker Engine installed. This makes it easy to move applications between different environments, such as development, staging, and production.</a:t>
+            </a:r>
+          </a:p>
+          <a:p>
+            <a:r>
+              <a:rPr lang="en-US" b="1" dirty="0"/>
+              <a:t>Isolation</a:t>
+            </a:r>
+            <a:r>
+              <a:rPr lang="en-US" dirty="0"/>
+              <a:t>: Docker containers are isolated from each other, which means that they cannot interfere with each other. This makes it easy to run multiple applications on the same system without worrying about conflicts.</a:t>
+            </a:r>
+          </a:p>
+          <a:p>
+            <a:r>
+              <a:rPr lang="en-US" b="1" dirty="0"/>
+              <a:t>Reproducibility</a:t>
+            </a:r>
+            <a:r>
+              <a:rPr lang="en-US" dirty="0"/>
+              <a:t>: Docker containers are always built from the same image, which means that they are always reproducible. This makes it easy to deploy applications consistently across different environments.</a:t>
+            </a:r>
+          </a:p>
+          <a:p>
+            <a:r>
+              <a:rPr lang="en-US" b="1" dirty="0" smtClean="0"/>
+              <a:t>Resource efficiency</a:t>
+            </a:r>
+            <a:r>
+              <a:rPr lang="en-US" dirty="0" smtClean="0"/>
+              <a:t>: </a:t>
+            </a:r>
+            <a:r>
+              <a:rPr lang="en-US" dirty="0"/>
+              <a:t>Docker containers share the host machine's kernel, which means that </a:t>
+            </a:r>
+            <a:r>
+              <a:rPr lang="en-US" dirty="0" smtClean="0"/>
+              <a:t>they </a:t>
+            </a:r>
+            <a:r>
+              <a:rPr lang="en-US" dirty="0"/>
+              <a:t>are more resource-efficient than traditional virtual machines.</a:t>
+            </a:r>
+          </a:p>
+        </p:txBody>
+      </p:sp>
     </p:spTree>
     <p:extLst>
       <p:ext uri="{BB962C8B-B14F-4D97-AF65-F5344CB8AC3E}">
-        <p14:creationId xmlns:p14="http://schemas.microsoft.com/office/powerpoint/2010/main" val="4053813747"/>
+        <p14:creationId xmlns:p14="http://schemas.microsoft.com/office/powerpoint/2010/main" val="1202085656"/>
       </p:ext>
     </p:extLst>
   </p:cSld>
@@ -9410,9 +10030,8 @@
           <a:p>
             <a:r>
               <a:rPr lang="en-US" dirty="0"/>
-              <a:t>Why containers?</a:t>
-            </a:r>
-            <a:endParaRPr lang="en-US" dirty="0"/>
+              <a:t>How does Docker work?</a:t>
+            </a:r>
           </a:p>
         </p:txBody>
       </p:sp>
@@ -9426,48 +10045,109 @@
             <p:ph idx="1"/>
           </p:nvPr>
         </p:nvSpPr>
-        <p:spPr/>
+        <p:spPr>
+          <a:xfrm>
+            <a:off x="4433252" y="2097087"/>
+            <a:ext cx="6826931" cy="3890057"/>
+          </a:xfrm>
+        </p:spPr>
         <p:txBody>
           <a:bodyPr>
-            <a:normAutofit/>
+            <a:normAutofit fontScale="77500" lnSpcReduction="20000"/>
           </a:bodyPr>
           <a:lstStyle/>
           <a:p>
-            <a:r>
-              <a:rPr lang="en-US" dirty="0" smtClean="0"/>
-              <a:t>Container</a:t>
+            <a:endParaRPr lang="en-US" sz="3100" dirty="0" smtClean="0"/>
+          </a:p>
+          <a:p>
+            <a:r>
+              <a:rPr lang="en-US" sz="3100" dirty="0" smtClean="0"/>
+              <a:t>Docker </a:t>
+            </a:r>
+            <a:r>
+              <a:rPr lang="en-US" sz="3100" dirty="0"/>
+              <a:t>images are built from Dockerfiles.</a:t>
+            </a:r>
+          </a:p>
+          <a:p>
+            <a:r>
+              <a:rPr lang="en-US" sz="3100" dirty="0"/>
+              <a:t>Dockerfiles are text files that contain instructions for building a Docker image.</a:t>
+            </a:r>
+          </a:p>
+          <a:p>
+            <a:r>
+              <a:rPr lang="en-US" sz="3100" dirty="0"/>
+              <a:t>Docker images are stored in a registry.</a:t>
+            </a:r>
+          </a:p>
+          <a:p>
+            <a:r>
+              <a:rPr lang="en-US" sz="3100" dirty="0"/>
+              <a:t>Docker registries are central repositories where Docker images can be stored and shared.</a:t>
+            </a:r>
+          </a:p>
+          <a:p>
+            <a:r>
+              <a:rPr lang="en-US" sz="3100" dirty="0"/>
+              <a:t>Docker containers are created from Docker images.</a:t>
+            </a:r>
+          </a:p>
+          <a:p>
+            <a:r>
+              <a:rPr lang="en-US" sz="3100" dirty="0"/>
+              <a:t>Docker containers are run on Docker hosts.</a:t>
+            </a:r>
+          </a:p>
+          <a:p>
+            <a:r>
+              <a:rPr lang="en-US" sz="3100" dirty="0"/>
+              <a:t>Docker hosts are machines that have the Docker Engine installed</a:t>
             </a:r>
             <a:r>
               <a:rPr lang="en-US" dirty="0"/>
-              <a:t>: A way to package application with all the necessary dependencies and configuration.</a:t>
-            </a:r>
-          </a:p>
-          <a:p>
-            <a:r>
-              <a:rPr lang="en-US" dirty="0"/>
-              <a:t>1)	It is portable (easy to share and move)</a:t>
-            </a:r>
-          </a:p>
-          <a:p>
-            <a:r>
-              <a:rPr lang="en-US" dirty="0"/>
-              <a:t>2)	Makes deployment more easy and </a:t>
-            </a:r>
-            <a:r>
-              <a:rPr lang="en-US" dirty="0" smtClean="0"/>
-              <a:t>efficient.</a:t>
-            </a:r>
+              <a:t>.</a:t>
+            </a:r>
+          </a:p>
+          <a:p>
             <a:endParaRPr lang="en-US" dirty="0"/>
           </a:p>
-          <a:p>
-            <a:endParaRPr lang="en-US" dirty="0"/>
-          </a:p>
-        </p:txBody>
-      </p:sp>
+        </p:txBody>
+      </p:sp>
+      <p:pic>
+        <p:nvPicPr>
+          <p:cNvPr id="4" name="Picture 3"/>
+          <p:cNvPicPr>
+            <a:picLocks noChangeAspect="1"/>
+          </p:cNvPicPr>
+          <p:nvPr/>
+        </p:nvPicPr>
+        <p:blipFill>
+          <a:blip r:embed="rId2">
+            <a:extLst>
+              <a:ext uri="{28A0092B-C50C-407E-A947-70E740481C1C}">
+                <a14:useLocalDpi xmlns:a14="http://schemas.microsoft.com/office/drawing/2010/main" val="0"/>
+              </a:ext>
+            </a:extLst>
+          </a:blip>
+          <a:stretch>
+            <a:fillRect/>
+          </a:stretch>
+        </p:blipFill>
+        <p:spPr>
+          <a:xfrm>
+            <a:off x="1031966" y="2097088"/>
+            <a:ext cx="3401286" cy="3890056"/>
+          </a:xfrm>
+          <a:prstGeom prst="rect">
+            <a:avLst/>
+          </a:prstGeom>
+        </p:spPr>
+      </p:pic>
     </p:spTree>
     <p:extLst>
       <p:ext uri="{BB962C8B-B14F-4D97-AF65-F5344CB8AC3E}">
-        <p14:creationId xmlns:p14="http://schemas.microsoft.com/office/powerpoint/2010/main" val="1726066575"/>
+        <p14:creationId xmlns:p14="http://schemas.microsoft.com/office/powerpoint/2010/main" val="4053813747"/>
       </p:ext>
     </p:extLst>
   </p:cSld>
@@ -9511,51 +10191,70 @@
             <p:ph type="title"/>
           </p:nvPr>
         </p:nvSpPr>
-        <p:spPr>
-          <a:xfrm>
-            <a:off x="827904" y="509660"/>
-            <a:ext cx="9905998" cy="1478570"/>
-          </a:xfrm>
-        </p:spPr>
+        <p:spPr/>
         <p:txBody>
           <a:bodyPr/>
           <a:lstStyle/>
           <a:p>
             <a:r>
               <a:rPr lang="en-US" dirty="0"/>
-              <a:t>Docker commands</a:t>
-            </a:r>
-          </a:p>
-        </p:txBody>
-      </p:sp>
-      <p:pic>
-        <p:nvPicPr>
-          <p:cNvPr id="6" name="Picture 5"/>
-          <p:cNvPicPr>
-            <a:picLocks noChangeAspect="1"/>
-          </p:cNvPicPr>
-          <p:nvPr/>
-        </p:nvPicPr>
-        <p:blipFill>
-          <a:blip r:embed="rId2"/>
-          <a:stretch>
-            <a:fillRect/>
-          </a:stretch>
-        </p:blipFill>
-        <p:spPr>
-          <a:xfrm>
-            <a:off x="1175657" y="2194559"/>
-            <a:ext cx="9875520" cy="4147749"/>
-          </a:xfrm>
-          <a:prstGeom prst="rect">
-            <a:avLst/>
-          </a:prstGeom>
-        </p:spPr>
-      </p:pic>
+              <a:t>Why containers?</a:t>
+            </a:r>
+          </a:p>
+        </p:txBody>
+      </p:sp>
+      <p:sp>
+        <p:nvSpPr>
+          <p:cNvPr id="3" name="Content Placeholder 2"/>
+          <p:cNvSpPr>
+            <a:spLocks noGrp="1"/>
+          </p:cNvSpPr>
+          <p:nvPr>
+            <p:ph idx="1"/>
+          </p:nvPr>
+        </p:nvSpPr>
+        <p:spPr/>
+        <p:txBody>
+          <a:bodyPr>
+            <a:normAutofit/>
+          </a:bodyPr>
+          <a:lstStyle/>
+          <a:p>
+            <a:r>
+              <a:rPr lang="en-US" dirty="0" smtClean="0"/>
+              <a:t>Container</a:t>
+            </a:r>
+            <a:r>
+              <a:rPr lang="en-US" dirty="0"/>
+              <a:t>: A way to package application with all the necessary dependencies and configuration.</a:t>
+            </a:r>
+          </a:p>
+          <a:p>
+            <a:r>
+              <a:rPr lang="en-US" dirty="0"/>
+              <a:t>1)	It is portable (easy to share and move)</a:t>
+            </a:r>
+          </a:p>
+          <a:p>
+            <a:r>
+              <a:rPr lang="en-US" dirty="0"/>
+              <a:t>2)	Makes deployment more easy and </a:t>
+            </a:r>
+            <a:r>
+              <a:rPr lang="en-US" dirty="0" smtClean="0"/>
+              <a:t>efficient.</a:t>
+            </a:r>
+            <a:endParaRPr lang="en-US" dirty="0"/>
+          </a:p>
+          <a:p>
+            <a:endParaRPr lang="en-US" dirty="0"/>
+          </a:p>
+        </p:txBody>
+      </p:sp>
     </p:spTree>
     <p:extLst>
       <p:ext uri="{BB962C8B-B14F-4D97-AF65-F5344CB8AC3E}">
-        <p14:creationId xmlns:p14="http://schemas.microsoft.com/office/powerpoint/2010/main" val="1049172659"/>
+        <p14:creationId xmlns:p14="http://schemas.microsoft.com/office/powerpoint/2010/main" val="1726066575"/>
       </p:ext>
     </p:extLst>
   </p:cSld>
@@ -9599,7 +10298,12 @@
             <p:ph type="title"/>
           </p:nvPr>
         </p:nvSpPr>
-        <p:spPr/>
+        <p:spPr>
+          <a:xfrm>
+            <a:off x="827904" y="509660"/>
+            <a:ext cx="9905998" cy="1478570"/>
+          </a:xfrm>
+        </p:spPr>
         <p:txBody>
           <a:bodyPr/>
           <a:lstStyle/>
@@ -9611,131 +10315,34 @@
           </a:p>
         </p:txBody>
       </p:sp>
-      <p:sp>
-        <p:nvSpPr>
-          <p:cNvPr id="5" name="Content Placeholder 4"/>
-          <p:cNvSpPr>
-            <a:spLocks noGrp="1"/>
-          </p:cNvSpPr>
-          <p:nvPr>
-            <p:ph idx="1"/>
-          </p:nvPr>
-        </p:nvSpPr>
-        <p:spPr/>
-        <p:txBody>
-          <a:bodyPr>
-            <a:normAutofit/>
-          </a:bodyPr>
-          <a:lstStyle/>
-          <a:p>
-            <a:r>
-              <a:rPr lang="en-US" b="1" dirty="0" smtClean="0"/>
-              <a:t>Docker </a:t>
-            </a:r>
-            <a:r>
-              <a:rPr lang="en-US" b="1" dirty="0"/>
-              <a:t>build</a:t>
-            </a:r>
-            <a:r>
-              <a:rPr lang="en-US" dirty="0"/>
-              <a:t>: Builds a Docker image from a Dockerfile</a:t>
-            </a:r>
-            <a:r>
-              <a:rPr lang="en-US" dirty="0" smtClean="0"/>
-              <a:t>.</a:t>
-            </a:r>
-            <a:endParaRPr lang="en-US" dirty="0"/>
-          </a:p>
-          <a:p>
-            <a:r>
-              <a:rPr lang="en-US" b="1" dirty="0" smtClean="0"/>
-              <a:t>Docker </a:t>
-            </a:r>
-            <a:r>
-              <a:rPr lang="en-US" b="1" dirty="0"/>
-              <a:t>run</a:t>
-            </a:r>
-            <a:r>
-              <a:rPr lang="en-US" dirty="0"/>
-              <a:t>: Runs a Docker container from an image.</a:t>
-            </a:r>
-          </a:p>
-          <a:p>
-            <a:r>
-              <a:rPr lang="en-US" b="1" dirty="0" smtClean="0"/>
-              <a:t>Docker </a:t>
-            </a:r>
-            <a:r>
-              <a:rPr lang="en-US" b="1" dirty="0"/>
-              <a:t>pull</a:t>
-            </a:r>
-            <a:r>
-              <a:rPr lang="en-US" dirty="0"/>
-              <a:t>: Pulls a Docker image from a registry.</a:t>
-            </a:r>
-          </a:p>
-          <a:p>
-            <a:r>
-              <a:rPr lang="en-US" b="1" dirty="0" smtClean="0"/>
-              <a:t>Docker </a:t>
-            </a:r>
-            <a:r>
-              <a:rPr lang="en-US" b="1" dirty="0"/>
-              <a:t>push</a:t>
-            </a:r>
-            <a:r>
-              <a:rPr lang="en-US" dirty="0"/>
-              <a:t>: Pushes a Docker image to a registry.</a:t>
-            </a:r>
-          </a:p>
-          <a:p>
-            <a:r>
-              <a:rPr lang="en-US" b="1" dirty="0" smtClean="0"/>
-              <a:t>Docker </a:t>
-            </a:r>
-            <a:r>
-              <a:rPr lang="en-US" b="1" dirty="0"/>
-              <a:t>ps</a:t>
-            </a:r>
-            <a:r>
-              <a:rPr lang="en-US" dirty="0"/>
-              <a:t>: Lists all running Docker containers.</a:t>
-            </a:r>
-          </a:p>
-          <a:p>
-            <a:r>
-              <a:rPr lang="en-US" b="1" dirty="0" smtClean="0"/>
-              <a:t>Docker </a:t>
-            </a:r>
-            <a:r>
-              <a:rPr lang="en-US" b="1" dirty="0"/>
-              <a:t>stop</a:t>
-            </a:r>
-            <a:r>
-              <a:rPr lang="en-US" dirty="0"/>
-              <a:t>: Stops a running Docker container.</a:t>
-            </a:r>
-          </a:p>
-          <a:p>
-            <a:r>
-              <a:rPr lang="en-US" b="1" dirty="0" smtClean="0"/>
-              <a:t>Docker </a:t>
-            </a:r>
-            <a:r>
-              <a:rPr lang="en-US" b="1" dirty="0"/>
-              <a:t>rm</a:t>
-            </a:r>
-            <a:r>
-              <a:rPr lang="en-US" dirty="0"/>
-              <a:t>: Removes a stopped Docker container.</a:t>
-            </a:r>
-          </a:p>
-        </p:txBody>
-      </p:sp>
+      <p:pic>
+        <p:nvPicPr>
+          <p:cNvPr id="6" name="Picture 5"/>
+          <p:cNvPicPr>
+            <a:picLocks noChangeAspect="1"/>
+          </p:cNvPicPr>
+          <p:nvPr/>
+        </p:nvPicPr>
+        <p:blipFill>
+          <a:blip r:embed="rId2"/>
+          <a:stretch>
+            <a:fillRect/>
+          </a:stretch>
+        </p:blipFill>
+        <p:spPr>
+          <a:xfrm>
+            <a:off x="1175657" y="2194559"/>
+            <a:ext cx="9875520" cy="4147749"/>
+          </a:xfrm>
+          <a:prstGeom prst="rect">
+            <a:avLst/>
+          </a:prstGeom>
+        </p:spPr>
+      </p:pic>
     </p:spTree>
     <p:extLst>
       <p:ext uri="{BB962C8B-B14F-4D97-AF65-F5344CB8AC3E}">
-        <p14:creationId xmlns:p14="http://schemas.microsoft.com/office/powerpoint/2010/main" val="3606892325"/>
+        <p14:creationId xmlns:p14="http://schemas.microsoft.com/office/powerpoint/2010/main" val="1049172659"/>
       </p:ext>
     </p:extLst>
   </p:cSld>
@@ -9779,96 +10386,143 @@
             <p:ph type="title"/>
           </p:nvPr>
         </p:nvSpPr>
-        <p:spPr>
-          <a:xfrm>
-            <a:off x="680321" y="966650"/>
-            <a:ext cx="9613861" cy="867515"/>
-          </a:xfrm>
-        </p:spPr>
+        <p:spPr/>
+        <p:txBody>
+          <a:bodyPr/>
+          <a:lstStyle/>
+          <a:p>
+            <a:r>
+              <a:rPr lang="en-US" dirty="0"/>
+              <a:t>Docker commands</a:t>
+            </a:r>
+          </a:p>
+        </p:txBody>
+      </p:sp>
+      <p:sp>
+        <p:nvSpPr>
+          <p:cNvPr id="5" name="Content Placeholder 4"/>
+          <p:cNvSpPr>
+            <a:spLocks noGrp="1"/>
+          </p:cNvSpPr>
+          <p:nvPr>
+            <p:ph idx="1"/>
+          </p:nvPr>
+        </p:nvSpPr>
+        <p:spPr/>
         <p:txBody>
           <a:bodyPr>
-            <a:normAutofit fontScale="90000"/>
+            <a:normAutofit/>
           </a:bodyPr>
           <a:lstStyle/>
           <a:p>
             <a:r>
+              <a:rPr lang="en-US" b="1" dirty="0" smtClean="0"/>
+              <a:t>Docker </a:t>
+            </a:r>
+            <a:r>
               <a:rPr lang="en-US" b="1" dirty="0"/>
+              <a:t>build</a:t>
+            </a:r>
+            <a:r>
+              <a:rPr lang="en-US" dirty="0"/>
+              <a:t>: Builds a Docker image from a Dockerfile</a:t>
+            </a:r>
+            <a:r>
+              <a:rPr lang="en-US" dirty="0" smtClean="0"/>
+              <a:t>.</a:t>
+            </a:r>
+            <a:endParaRPr lang="en-US" dirty="0"/>
+          </a:p>
+          <a:p>
+            <a:r>
+              <a:rPr lang="en-US" b="1" dirty="0" smtClean="0"/>
               <a:t>Docker </a:t>
             </a:r>
             <a:r>
+              <a:rPr lang="en-US" b="1" dirty="0"/>
+              <a:t>run</a:t>
+            </a:r>
+            <a:r>
+              <a:rPr lang="en-US" dirty="0"/>
+              <a:t>: Runs a Docker container from an image.</a:t>
+            </a:r>
+          </a:p>
+          <a:p>
+            <a:r>
               <a:rPr lang="en-US" b="1" dirty="0" smtClean="0"/>
-              <a:t>build</a:t>
-            </a:r>
-            <a:r>
-              <a:rPr lang="en-US" dirty="0" smtClean="0"/>
-              <a:t> </a:t>
-            </a:r>
-            <a:br>
-              <a:rPr lang="en-US" dirty="0" smtClean="0"/>
-            </a:br>
-            <a:endParaRPr lang="en-US" dirty="0"/>
-          </a:p>
-        </p:txBody>
-      </p:sp>
-      <p:sp>
-        <p:nvSpPr>
-          <p:cNvPr id="3" name="Content Placeholder 2"/>
-          <p:cNvSpPr>
-            <a:spLocks noGrp="1"/>
-          </p:cNvSpPr>
-          <p:nvPr>
-            <p:ph idx="1"/>
-          </p:nvPr>
-        </p:nvSpPr>
-        <p:spPr>
-          <a:xfrm>
-            <a:off x="1141412" y="1554480"/>
-            <a:ext cx="9905999" cy="378823"/>
-          </a:xfrm>
-        </p:spPr>
-        <p:txBody>
-          <a:bodyPr>
-            <a:normAutofit fontScale="92500" lnSpcReduction="10000"/>
-          </a:bodyPr>
-          <a:lstStyle/>
-          <a:p>
-            <a:pPr marL="0" indent="0">
-              <a:buNone/>
-            </a:pPr>
+              <a:t>Docker </a:t>
+            </a:r>
             <a:r>
               <a:rPr lang="en-US" b="1" dirty="0"/>
-              <a:t>To build images in Docker</a:t>
-            </a:r>
-            <a:endParaRPr lang="en-US" dirty="0"/>
-          </a:p>
-        </p:txBody>
-      </p:sp>
-      <p:pic>
-        <p:nvPicPr>
-          <p:cNvPr id="5" name="Picture 4"/>
-          <p:cNvPicPr/>
-          <p:nvPr/>
-        </p:nvPicPr>
-        <p:blipFill>
-          <a:blip r:embed="rId2"/>
-          <a:stretch>
-            <a:fillRect/>
-          </a:stretch>
-        </p:blipFill>
-        <p:spPr>
-          <a:xfrm>
-            <a:off x="1141412" y="2300895"/>
-            <a:ext cx="8642668" cy="1918408"/>
-          </a:xfrm>
-          <a:prstGeom prst="rect">
-            <a:avLst/>
-          </a:prstGeom>
-        </p:spPr>
-      </p:pic>
+              <a:t>pull</a:t>
+            </a:r>
+            <a:r>
+              <a:rPr lang="en-US" dirty="0"/>
+              <a:t>: Pulls a Docker image from a registry.</a:t>
+            </a:r>
+          </a:p>
+          <a:p>
+            <a:r>
+              <a:rPr lang="en-US" b="1" dirty="0" smtClean="0"/>
+              <a:t>Docker </a:t>
+            </a:r>
+            <a:r>
+              <a:rPr lang="en-US" b="1" dirty="0"/>
+              <a:t>push</a:t>
+            </a:r>
+            <a:r>
+              <a:rPr lang="en-US" dirty="0"/>
+              <a:t>: Pushes a Docker image to a registry.</a:t>
+            </a:r>
+          </a:p>
+          <a:p>
+            <a:r>
+              <a:rPr lang="en-US" b="1" dirty="0" smtClean="0"/>
+              <a:t>Docker </a:t>
+            </a:r>
+            <a:r>
+              <a:rPr lang="en-US" b="1" dirty="0"/>
+              <a:t>ps</a:t>
+            </a:r>
+            <a:r>
+              <a:rPr lang="en-US" dirty="0"/>
+              <a:t>: Lists all running Docker containers.</a:t>
+            </a:r>
+          </a:p>
+          <a:p>
+            <a:r>
+              <a:rPr lang="en-US" b="1" dirty="0" smtClean="0"/>
+              <a:t>Docker </a:t>
+            </a:r>
+            <a:r>
+              <a:rPr lang="en-US" b="1" dirty="0"/>
+              <a:t>stop</a:t>
+            </a:r>
+            <a:r>
+              <a:rPr lang="en-US" dirty="0"/>
+              <a:t>: Stops a running Docker container.</a:t>
+            </a:r>
+          </a:p>
+          <a:p>
+            <a:r>
+              <a:rPr lang="en-US" b="1" dirty="0" smtClean="0"/>
+              <a:t>Docker </a:t>
+            </a:r>
+            <a:r>
+              <a:rPr lang="en-US" b="1" dirty="0"/>
+              <a:t>rm</a:t>
+            </a:r>
+            <a:r>
+              <a:rPr lang="en-US" dirty="0"/>
+              <a:t>: Removes a stopped Docker container.</a:t>
+            </a:r>
+          </a:p>
+        </p:txBody>
+      </p:sp>
     </p:spTree>
     <p:extLst>
       <p:ext uri="{BB962C8B-B14F-4D97-AF65-F5344CB8AC3E}">
-        <p14:creationId xmlns:p14="http://schemas.microsoft.com/office/powerpoint/2010/main" val="3264757154"/>
+        <p14:creationId xmlns:p14="http://schemas.microsoft.com/office/powerpoint/2010/main" val="3606892325"/>
       </p:ext>
     </p:extLst>
   </p:cSld>
@@ -9914,8 +10568,8 @@
         </p:nvSpPr>
         <p:spPr>
           <a:xfrm>
-            <a:off x="680321" y="862150"/>
-            <a:ext cx="9613861" cy="972016"/>
+            <a:off x="680321" y="753228"/>
+            <a:ext cx="9613861" cy="524243"/>
           </a:xfrm>
         </p:spPr>
         <p:txBody>
@@ -9926,15 +10580,8 @@
           <a:p>
             <a:r>
               <a:rPr lang="en-US" b="1" dirty="0" smtClean="0"/>
-              <a:t>Docker build</a:t>
-            </a:r>
-            <a:r>
-              <a:rPr lang="en-US" dirty="0" smtClean="0"/>
-              <a:t/>
-            </a:r>
-            <a:br>
-              <a:rPr lang="en-US" dirty="0" smtClean="0"/>
-            </a:br>
+              <a:t>Docker Login</a:t>
+            </a:r>
             <a:endParaRPr lang="en-US" dirty="0"/>
           </a:p>
         </p:txBody>
@@ -9951,13 +10598,13 @@
         </p:nvSpPr>
         <p:spPr>
           <a:xfrm>
-            <a:off x="1141412" y="1449978"/>
-            <a:ext cx="9905999" cy="384188"/>
+            <a:off x="1500592" y="1489709"/>
+            <a:ext cx="9613861" cy="352539"/>
           </a:xfrm>
         </p:spPr>
         <p:txBody>
           <a:bodyPr>
-            <a:normAutofit lnSpcReduction="10000"/>
+            <a:normAutofit fontScale="92500" lnSpcReduction="20000"/>
           </a:bodyPr>
           <a:lstStyle/>
           <a:p>
@@ -9965,8 +10612,8 @@
               <a:buNone/>
             </a:pPr>
             <a:r>
-              <a:rPr lang="en-US" b="1" dirty="0"/>
-              <a:t>To see whether the image is been created</a:t>
+              <a:rPr lang="en-US" dirty="0" smtClean="0"/>
+              <a:t>To login to docker</a:t>
             </a:r>
             <a:endParaRPr lang="en-US" dirty="0"/>
           </a:p>
@@ -9974,20 +10621,28 @@
       </p:sp>
       <p:pic>
         <p:nvPicPr>
-          <p:cNvPr id="4" name="Picture 3"/>
-          <p:cNvPicPr/>
+          <p:cNvPr id="5" name="Picture 4"/>
+          <p:cNvPicPr>
+            <a:picLocks noChangeAspect="1"/>
+          </p:cNvPicPr>
           <p:nvPr/>
         </p:nvPicPr>
         <p:blipFill>
-          <a:blip r:embed="rId2"/>
+          <a:blip r:embed="rId2">
+            <a:extLst>
+              <a:ext uri="{28A0092B-C50C-407E-A947-70E740481C1C}">
+                <a14:useLocalDpi xmlns:a14="http://schemas.microsoft.com/office/drawing/2010/main" val="0"/>
+              </a:ext>
+            </a:extLst>
+          </a:blip>
           <a:stretch>
             <a:fillRect/>
           </a:stretch>
         </p:blipFill>
         <p:spPr>
           <a:xfrm>
-            <a:off x="1141412" y="2568818"/>
-            <a:ext cx="8916988" cy="1977055"/>
+            <a:off x="860613" y="2327574"/>
+            <a:ext cx="9265022" cy="2782308"/>
           </a:xfrm>
           <a:prstGeom prst="rect">
             <a:avLst/>
@@ -9997,20 +10652,13 @@
     </p:spTree>
     <p:extLst>
       <p:ext uri="{BB962C8B-B14F-4D97-AF65-F5344CB8AC3E}">
-        <p14:creationId xmlns:p14="http://schemas.microsoft.com/office/powerpoint/2010/main" val="122261083"/>
+        <p14:creationId xmlns:p14="http://schemas.microsoft.com/office/powerpoint/2010/main" val="3453555497"/>
       </p:ext>
     </p:extLst>
   </p:cSld>
   <p:clrMapOvr>
     <a:masterClrMapping/>
   </p:clrMapOvr>
-  <p:timing>
-    <p:tnLst>
-      <p:par>
-        <p:cTn id="1" dur="indefinite" restart="never" nodeType="tmRoot"/>
-      </p:par>
-    </p:tnLst>
-  </p:timing>
 </p:sld>
 </file>
 
